--- a/paper_figures.pptx
+++ b/paper_figures.pptx
@@ -6,6 +6,7 @@
   </p:sldMasterIdLst>
   <p:sldIdLst>
     <p:sldId id="256" r:id="rId2"/>
+    <p:sldId id="257" r:id="rId3"/>
   </p:sldIdLst>
   <p:sldSz cx="9144000" cy="6858000" type="screen4x3"/>
   <p:notesSz cx="6858000" cy="9144000"/>
@@ -288,7 +289,7 @@
           <a:p>
             <a:fld id="{652B95B1-0645-6345-9251-BB6C535BA899}" type="datetimeFigureOut">
               <a:rPr lang="en-US" smtClean="0"/>
-              <a:t>7/2/14</a:t>
+              <a:t>7/13/14</a:t>
             </a:fld>
             <a:endParaRPr lang="en-US"/>
           </a:p>
@@ -458,7 +459,7 @@
           <a:p>
             <a:fld id="{652B95B1-0645-6345-9251-BB6C535BA899}" type="datetimeFigureOut">
               <a:rPr lang="en-US" smtClean="0"/>
-              <a:t>7/2/14</a:t>
+              <a:t>7/13/14</a:t>
             </a:fld>
             <a:endParaRPr lang="en-US"/>
           </a:p>
@@ -638,7 +639,7 @@
           <a:p>
             <a:fld id="{652B95B1-0645-6345-9251-BB6C535BA899}" type="datetimeFigureOut">
               <a:rPr lang="en-US" smtClean="0"/>
-              <a:t>7/2/14</a:t>
+              <a:t>7/13/14</a:t>
             </a:fld>
             <a:endParaRPr lang="en-US"/>
           </a:p>
@@ -808,7 +809,7 @@
           <a:p>
             <a:fld id="{652B95B1-0645-6345-9251-BB6C535BA899}" type="datetimeFigureOut">
               <a:rPr lang="en-US" smtClean="0"/>
-              <a:t>7/2/14</a:t>
+              <a:t>7/13/14</a:t>
             </a:fld>
             <a:endParaRPr lang="en-US"/>
           </a:p>
@@ -1054,7 +1055,7 @@
           <a:p>
             <a:fld id="{652B95B1-0645-6345-9251-BB6C535BA899}" type="datetimeFigureOut">
               <a:rPr lang="en-US" smtClean="0"/>
-              <a:t>7/2/14</a:t>
+              <a:t>7/13/14</a:t>
             </a:fld>
             <a:endParaRPr lang="en-US"/>
           </a:p>
@@ -1342,7 +1343,7 @@
           <a:p>
             <a:fld id="{652B95B1-0645-6345-9251-BB6C535BA899}" type="datetimeFigureOut">
               <a:rPr lang="en-US" smtClean="0"/>
-              <a:t>7/2/14</a:t>
+              <a:t>7/13/14</a:t>
             </a:fld>
             <a:endParaRPr lang="en-US"/>
           </a:p>
@@ -1764,7 +1765,7 @@
           <a:p>
             <a:fld id="{652B95B1-0645-6345-9251-BB6C535BA899}" type="datetimeFigureOut">
               <a:rPr lang="en-US" smtClean="0"/>
-              <a:t>7/2/14</a:t>
+              <a:t>7/13/14</a:t>
             </a:fld>
             <a:endParaRPr lang="en-US"/>
           </a:p>
@@ -1882,7 +1883,7 @@
           <a:p>
             <a:fld id="{652B95B1-0645-6345-9251-BB6C535BA899}" type="datetimeFigureOut">
               <a:rPr lang="en-US" smtClean="0"/>
-              <a:t>7/2/14</a:t>
+              <a:t>7/13/14</a:t>
             </a:fld>
             <a:endParaRPr lang="en-US"/>
           </a:p>
@@ -1977,7 +1978,7 @@
           <a:p>
             <a:fld id="{652B95B1-0645-6345-9251-BB6C535BA899}" type="datetimeFigureOut">
               <a:rPr lang="en-US" smtClean="0"/>
-              <a:t>7/2/14</a:t>
+              <a:t>7/13/14</a:t>
             </a:fld>
             <a:endParaRPr lang="en-US"/>
           </a:p>
@@ -2254,7 +2255,7 @@
           <a:p>
             <a:fld id="{652B95B1-0645-6345-9251-BB6C535BA899}" type="datetimeFigureOut">
               <a:rPr lang="en-US" smtClean="0"/>
-              <a:t>7/2/14</a:t>
+              <a:t>7/13/14</a:t>
             </a:fld>
             <a:endParaRPr lang="en-US"/>
           </a:p>
@@ -2507,7 +2508,7 @@
           <a:p>
             <a:fld id="{652B95B1-0645-6345-9251-BB6C535BA899}" type="datetimeFigureOut">
               <a:rPr lang="en-US" smtClean="0"/>
-              <a:t>7/2/14</a:t>
+              <a:t>7/13/14</a:t>
             </a:fld>
             <a:endParaRPr lang="en-US"/>
           </a:p>
@@ -2720,7 +2721,7 @@
           <a:p>
             <a:fld id="{652B95B1-0645-6345-9251-BB6C535BA899}" type="datetimeFigureOut">
               <a:rPr lang="en-US" smtClean="0"/>
-              <a:t>7/2/14</a:t>
+              <a:t>7/13/14</a:t>
             </a:fld>
             <a:endParaRPr lang="en-US"/>
           </a:p>
@@ -3142,8 +3143,8 @@
         </p:nvCxnSpPr>
         <p:spPr>
           <a:xfrm flipV="1">
-            <a:off x="2553761" y="1856248"/>
-            <a:ext cx="2972412" cy="2512216"/>
+            <a:off x="2005953" y="1856248"/>
+            <a:ext cx="3520220" cy="2916962"/>
           </a:xfrm>
           <a:prstGeom prst="line">
             <a:avLst/>
@@ -3177,7 +3178,7 @@
         </p:nvSpPr>
         <p:spPr>
           <a:xfrm>
-            <a:off x="5554081" y="1486916"/>
+            <a:off x="5400641" y="1856248"/>
             <a:ext cx="516334" cy="369332"/>
           </a:xfrm>
           <a:prstGeom prst="rect">
@@ -3192,10 +3193,9 @@
           <a:lstStyle/>
           <a:p>
             <a:r>
-              <a:rPr lang="en-US" dirty="0" smtClean="0"/>
-              <a:t>A</a:t>
-            </a:r>
-            <a:endParaRPr lang="en-US" dirty="0"/>
+              <a:rPr lang="en-US" dirty="0"/>
+              <a:t>a</a:t>
+            </a:r>
           </a:p>
         </p:txBody>
       </p:sp>
@@ -3207,7 +3207,7 @@
         </p:nvSpPr>
         <p:spPr>
           <a:xfrm>
-            <a:off x="2379324" y="4403878"/>
+            <a:off x="2030450" y="4219212"/>
             <a:ext cx="348874" cy="369332"/>
           </a:xfrm>
           <a:prstGeom prst="rect">
@@ -3222,37 +3222,12 @@
           <a:lstStyle/>
           <a:p>
             <a:r>
-              <a:rPr lang="en-US" dirty="0" smtClean="0"/>
-              <a:t>B</a:t>
-            </a:r>
-            <a:endParaRPr lang="en-US" dirty="0"/>
-          </a:p>
-        </p:txBody>
-      </p:sp>
-      <p:pic>
-        <p:nvPicPr>
-          <p:cNvPr id="9" name="Picture 8"/>
-          <p:cNvPicPr>
-            <a:picLocks noChangeAspect="1"/>
-          </p:cNvPicPr>
-          <p:nvPr/>
-        </p:nvPicPr>
-        <p:blipFill>
-          <a:blip r:embed="rId2"/>
-          <a:stretch>
-            <a:fillRect/>
-          </a:stretch>
-        </p:blipFill>
-        <p:spPr>
-          <a:xfrm>
-            <a:off x="4009586" y="1621298"/>
-            <a:ext cx="749300" cy="469900"/>
-          </a:xfrm>
-          <a:prstGeom prst="rect">
-            <a:avLst/>
-          </a:prstGeom>
-        </p:spPr>
-      </p:pic>
+              <a:rPr lang="en-US" dirty="0"/>
+              <a:t>b</a:t>
+            </a:r>
+          </a:p>
+        </p:txBody>
+      </p:sp>
       <p:cxnSp>
         <p:nvCxnSpPr>
           <p:cNvPr id="11" name="Straight Arrow Connector 10"/>
@@ -3289,10 +3264,170 @@
           </a:fontRef>
         </p:style>
       </p:cxnSp>
+      <p:sp>
+        <p:nvSpPr>
+          <p:cNvPr id="2" name="Chord 1"/>
+          <p:cNvSpPr/>
+          <p:nvPr/>
+        </p:nvSpPr>
+        <p:spPr>
+          <a:xfrm rot="20345045">
+            <a:off x="5462670" y="1375969"/>
+            <a:ext cx="775583" cy="490658"/>
+          </a:xfrm>
+          <a:prstGeom prst="chord">
+            <a:avLst/>
+          </a:prstGeom>
+        </p:spPr>
+        <p:style>
+          <a:lnRef idx="1">
+            <a:schemeClr val="accent1"/>
+          </a:lnRef>
+          <a:fillRef idx="3">
+            <a:schemeClr val="accent1"/>
+          </a:fillRef>
+          <a:effectRef idx="2">
+            <a:schemeClr val="accent1"/>
+          </a:effectRef>
+          <a:fontRef idx="minor">
+            <a:schemeClr val="lt1"/>
+          </a:fontRef>
+        </p:style>
+        <p:txBody>
+          <a:bodyPr rtlCol="0" anchor="ctr"/>
+          <a:lstStyle/>
+          <a:p>
+            <a:pPr algn="ctr"/>
+            <a:endParaRPr lang="en-US"/>
+          </a:p>
+        </p:txBody>
+      </p:sp>
+      <p:sp>
+        <p:nvSpPr>
+          <p:cNvPr id="3" name="Rectangle 2"/>
+          <p:cNvSpPr/>
+          <p:nvPr/>
+        </p:nvSpPr>
+        <p:spPr>
+          <a:xfrm>
+            <a:off x="2005953" y="1253694"/>
+            <a:ext cx="4294329" cy="3767395"/>
+          </a:xfrm>
+          <a:prstGeom prst="rect">
+            <a:avLst/>
+          </a:prstGeom>
+          <a:noFill/>
+          <a:ln>
+            <a:solidFill>
+              <a:schemeClr val="tx1"/>
+            </a:solidFill>
+          </a:ln>
+        </p:spPr>
+        <p:style>
+          <a:lnRef idx="1">
+            <a:schemeClr val="accent1"/>
+          </a:lnRef>
+          <a:fillRef idx="3">
+            <a:schemeClr val="accent1"/>
+          </a:fillRef>
+          <a:effectRef idx="2">
+            <a:schemeClr val="accent1"/>
+          </a:effectRef>
+          <a:fontRef idx="minor">
+            <a:schemeClr val="lt1"/>
+          </a:fontRef>
+        </p:style>
+        <p:txBody>
+          <a:bodyPr rtlCol="0" anchor="ctr"/>
+          <a:lstStyle/>
+          <a:p>
+            <a:pPr algn="ctr"/>
+            <a:endParaRPr lang="en-US"/>
+          </a:p>
+        </p:txBody>
+      </p:sp>
+      <p:pic>
+        <p:nvPicPr>
+          <p:cNvPr id="12" name="Picture 11"/>
+          <p:cNvPicPr>
+            <a:picLocks noChangeAspect="1"/>
+          </p:cNvPicPr>
+          <p:nvPr/>
+        </p:nvPicPr>
+        <p:blipFill>
+          <a:blip r:embed="rId2"/>
+          <a:stretch>
+            <a:fillRect/>
+          </a:stretch>
+        </p:blipFill>
+        <p:spPr>
+          <a:xfrm>
+            <a:off x="3895286" y="1621298"/>
+            <a:ext cx="863600" cy="469900"/>
+          </a:xfrm>
+          <a:prstGeom prst="rect">
+            <a:avLst/>
+          </a:prstGeom>
+        </p:spPr>
+      </p:pic>
     </p:spTree>
     <p:extLst>
       <p:ext uri="{BB962C8B-B14F-4D97-AF65-F5344CB8AC3E}">
         <p14:creationId xmlns:p14="http://schemas.microsoft.com/office/powerpoint/2010/main" val="1400459697"/>
+      </p:ext>
+    </p:extLst>
+  </p:cSld>
+  <p:clrMapOvr>
+    <a:masterClrMapping/>
+  </p:clrMapOvr>
+</p:sld>
+</file>
+
+<file path=ppt/slides/slide2.xml><?xml version="1.0" encoding="utf-8"?>
+<p:sld xmlns:a="http://schemas.openxmlformats.org/drawingml/2006/main" xmlns:r="http://schemas.openxmlformats.org/officeDocument/2006/relationships" xmlns:p="http://schemas.openxmlformats.org/presentationml/2006/main">
+  <p:cSld>
+    <p:spTree>
+      <p:nvGrpSpPr>
+        <p:cNvPr id="1" name=""/>
+        <p:cNvGrpSpPr/>
+        <p:nvPr/>
+      </p:nvGrpSpPr>
+      <p:grpSpPr>
+        <a:xfrm>
+          <a:off x="0" y="0"/>
+          <a:ext cx="0" cy="0"/>
+          <a:chOff x="0" y="0"/>
+          <a:chExt cx="0" cy="0"/>
+        </a:xfrm>
+      </p:grpSpPr>
+      <p:pic>
+        <p:nvPicPr>
+          <p:cNvPr id="4" name="Content Placeholder 3"/>
+          <p:cNvPicPr>
+            <a:picLocks noGrp="1" noChangeAspect="1"/>
+          </p:cNvPicPr>
+          <p:nvPr>
+            <p:ph idx="1"/>
+          </p:nvPr>
+        </p:nvPicPr>
+        <p:blipFill>
+          <a:blip r:embed="rId2"/>
+          <a:srcRect l="6162" r="6162"/>
+          <a:stretch>
+            <a:fillRect/>
+          </a:stretch>
+        </p:blipFill>
+        <p:spPr>
+          <a:xfrm>
+            <a:off x="301625" y="853818"/>
+            <a:ext cx="8475898" cy="5022754"/>
+          </a:xfrm>
+        </p:spPr>
+      </p:pic>
+    </p:spTree>
+    <p:extLst>
+      <p:ext uri="{BB962C8B-B14F-4D97-AF65-F5344CB8AC3E}">
+        <p14:creationId xmlns:p14="http://schemas.microsoft.com/office/powerpoint/2010/main" val="2797079444"/>
       </p:ext>
     </p:extLst>
   </p:cSld>

--- a/paper_figures.pptx
+++ b/paper_figures.pptx
@@ -7,6 +7,10 @@
   <p:sldIdLst>
     <p:sldId id="256" r:id="rId2"/>
     <p:sldId id="257" r:id="rId3"/>
+    <p:sldId id="261" r:id="rId4"/>
+    <p:sldId id="258" r:id="rId5"/>
+    <p:sldId id="259" r:id="rId6"/>
+    <p:sldId id="260" r:id="rId7"/>
   </p:sldIdLst>
   <p:sldSz cx="9144000" cy="6858000" type="screen4x3"/>
   <p:notesSz cx="6858000" cy="9144000"/>
@@ -289,7 +293,7 @@
           <a:p>
             <a:fld id="{652B95B1-0645-6345-9251-BB6C535BA899}" type="datetimeFigureOut">
               <a:rPr lang="en-US" smtClean="0"/>
-              <a:t>7/13/14</a:t>
+              <a:t>7/29/14</a:t>
             </a:fld>
             <a:endParaRPr lang="en-US"/>
           </a:p>
@@ -459,7 +463,7 @@
           <a:p>
             <a:fld id="{652B95B1-0645-6345-9251-BB6C535BA899}" type="datetimeFigureOut">
               <a:rPr lang="en-US" smtClean="0"/>
-              <a:t>7/13/14</a:t>
+              <a:t>7/29/14</a:t>
             </a:fld>
             <a:endParaRPr lang="en-US"/>
           </a:p>
@@ -639,7 +643,7 @@
           <a:p>
             <a:fld id="{652B95B1-0645-6345-9251-BB6C535BA899}" type="datetimeFigureOut">
               <a:rPr lang="en-US" smtClean="0"/>
-              <a:t>7/13/14</a:t>
+              <a:t>7/29/14</a:t>
             </a:fld>
             <a:endParaRPr lang="en-US"/>
           </a:p>
@@ -809,7 +813,7 @@
           <a:p>
             <a:fld id="{652B95B1-0645-6345-9251-BB6C535BA899}" type="datetimeFigureOut">
               <a:rPr lang="en-US" smtClean="0"/>
-              <a:t>7/13/14</a:t>
+              <a:t>7/29/14</a:t>
             </a:fld>
             <a:endParaRPr lang="en-US"/>
           </a:p>
@@ -1055,7 +1059,7 @@
           <a:p>
             <a:fld id="{652B95B1-0645-6345-9251-BB6C535BA899}" type="datetimeFigureOut">
               <a:rPr lang="en-US" smtClean="0"/>
-              <a:t>7/13/14</a:t>
+              <a:t>7/29/14</a:t>
             </a:fld>
             <a:endParaRPr lang="en-US"/>
           </a:p>
@@ -1343,7 +1347,7 @@
           <a:p>
             <a:fld id="{652B95B1-0645-6345-9251-BB6C535BA899}" type="datetimeFigureOut">
               <a:rPr lang="en-US" smtClean="0"/>
-              <a:t>7/13/14</a:t>
+              <a:t>7/29/14</a:t>
             </a:fld>
             <a:endParaRPr lang="en-US"/>
           </a:p>
@@ -1765,7 +1769,7 @@
           <a:p>
             <a:fld id="{652B95B1-0645-6345-9251-BB6C535BA899}" type="datetimeFigureOut">
               <a:rPr lang="en-US" smtClean="0"/>
-              <a:t>7/13/14</a:t>
+              <a:t>7/29/14</a:t>
             </a:fld>
             <a:endParaRPr lang="en-US"/>
           </a:p>
@@ -1883,7 +1887,7 @@
           <a:p>
             <a:fld id="{652B95B1-0645-6345-9251-BB6C535BA899}" type="datetimeFigureOut">
               <a:rPr lang="en-US" smtClean="0"/>
-              <a:t>7/13/14</a:t>
+              <a:t>7/29/14</a:t>
             </a:fld>
             <a:endParaRPr lang="en-US"/>
           </a:p>
@@ -1978,7 +1982,7 @@
           <a:p>
             <a:fld id="{652B95B1-0645-6345-9251-BB6C535BA899}" type="datetimeFigureOut">
               <a:rPr lang="en-US" smtClean="0"/>
-              <a:t>7/13/14</a:t>
+              <a:t>7/29/14</a:t>
             </a:fld>
             <a:endParaRPr lang="en-US"/>
           </a:p>
@@ -2255,7 +2259,7 @@
           <a:p>
             <a:fld id="{652B95B1-0645-6345-9251-BB6C535BA899}" type="datetimeFigureOut">
               <a:rPr lang="en-US" smtClean="0"/>
-              <a:t>7/13/14</a:t>
+              <a:t>7/29/14</a:t>
             </a:fld>
             <a:endParaRPr lang="en-US"/>
           </a:p>
@@ -2508,7 +2512,7 @@
           <a:p>
             <a:fld id="{652B95B1-0645-6345-9251-BB6C535BA899}" type="datetimeFigureOut">
               <a:rPr lang="en-US" smtClean="0"/>
-              <a:t>7/13/14</a:t>
+              <a:t>7/29/14</a:t>
             </a:fld>
             <a:endParaRPr lang="en-US"/>
           </a:p>
@@ -2721,7 +2725,7 @@
           <a:p>
             <a:fld id="{652B95B1-0645-6345-9251-BB6C535BA899}" type="datetimeFigureOut">
               <a:rPr lang="en-US" smtClean="0"/>
-              <a:t>7/13/14</a:t>
+              <a:t>7/29/14</a:t>
             </a:fld>
             <a:endParaRPr lang="en-US"/>
           </a:p>
@@ -3428,6 +3432,310 @@
     <p:extLst>
       <p:ext uri="{BB962C8B-B14F-4D97-AF65-F5344CB8AC3E}">
         <p14:creationId xmlns:p14="http://schemas.microsoft.com/office/powerpoint/2010/main" val="2797079444"/>
+      </p:ext>
+    </p:extLst>
+  </p:cSld>
+  <p:clrMapOvr>
+    <a:masterClrMapping/>
+  </p:clrMapOvr>
+</p:sld>
+</file>
+
+<file path=ppt/slides/slide3.xml><?xml version="1.0" encoding="utf-8"?>
+<p:sld xmlns:a="http://schemas.openxmlformats.org/drawingml/2006/main" xmlns:r="http://schemas.openxmlformats.org/officeDocument/2006/relationships" xmlns:p="http://schemas.openxmlformats.org/presentationml/2006/main">
+  <p:cSld>
+    <p:spTree>
+      <p:nvGrpSpPr>
+        <p:cNvPr id="1" name=""/>
+        <p:cNvGrpSpPr/>
+        <p:nvPr/>
+      </p:nvGrpSpPr>
+      <p:grpSpPr>
+        <a:xfrm>
+          <a:off x="0" y="0"/>
+          <a:ext cx="0" cy="0"/>
+          <a:chOff x="0" y="0"/>
+          <a:chExt cx="0" cy="0"/>
+        </a:xfrm>
+      </p:grpSpPr>
+      <p:pic>
+        <p:nvPicPr>
+          <p:cNvPr id="2" name="Picture 1"/>
+          <p:cNvPicPr>
+            <a:picLocks noChangeAspect="1"/>
+          </p:cNvPicPr>
+          <p:nvPr/>
+        </p:nvPicPr>
+        <p:blipFill>
+          <a:blip r:embed="rId2"/>
+          <a:stretch>
+            <a:fillRect/>
+          </a:stretch>
+        </p:blipFill>
+        <p:spPr>
+          <a:xfrm>
+            <a:off x="2240325" y="338667"/>
+            <a:ext cx="5252676" cy="5813778"/>
+          </a:xfrm>
+          <a:prstGeom prst="rect">
+            <a:avLst/>
+          </a:prstGeom>
+        </p:spPr>
+      </p:pic>
+    </p:spTree>
+    <p:extLst>
+      <p:ext uri="{BB962C8B-B14F-4D97-AF65-F5344CB8AC3E}">
+        <p14:creationId xmlns:p14="http://schemas.microsoft.com/office/powerpoint/2010/main" val="3277396404"/>
+      </p:ext>
+    </p:extLst>
+  </p:cSld>
+  <p:clrMapOvr>
+    <a:masterClrMapping/>
+  </p:clrMapOvr>
+</p:sld>
+</file>
+
+<file path=ppt/slides/slide4.xml><?xml version="1.0" encoding="utf-8"?>
+<p:sld xmlns:a="http://schemas.openxmlformats.org/drawingml/2006/main" xmlns:r="http://schemas.openxmlformats.org/officeDocument/2006/relationships" xmlns:p="http://schemas.openxmlformats.org/presentationml/2006/main">
+  <p:cSld>
+    <p:spTree>
+      <p:nvGrpSpPr>
+        <p:cNvPr id="1" name=""/>
+        <p:cNvGrpSpPr/>
+        <p:nvPr/>
+      </p:nvGrpSpPr>
+      <p:grpSpPr>
+        <a:xfrm>
+          <a:off x="0" y="0"/>
+          <a:ext cx="0" cy="0"/>
+          <a:chOff x="0" y="0"/>
+          <a:chExt cx="0" cy="0"/>
+        </a:xfrm>
+      </p:grpSpPr>
+      <p:pic>
+        <p:nvPicPr>
+          <p:cNvPr id="5" name="Picture 4"/>
+          <p:cNvPicPr>
+            <a:picLocks noChangeAspect="1"/>
+          </p:cNvPicPr>
+          <p:nvPr/>
+        </p:nvPicPr>
+        <p:blipFill rotWithShape="1">
+          <a:blip r:embed="rId2">
+            <a:extLst>
+              <a:ext uri="{BEBA8EAE-BF5A-486C-A8C5-ECC9F3942E4B}">
+                <a14:imgProps xmlns:a14="http://schemas.microsoft.com/office/drawing/2010/main">
+                  <a14:imgLayer r:embed="rId3">
+                    <a14:imgEffect>
+                      <a14:backgroundRemoval t="24236" b="63428" l="30856" r="62036">
+                        <a14:foregroundMark x1="30856" y1="30568" x2="30856" y2="30568"/>
+                        <a14:foregroundMark x1="33926" y1="30568" x2="33926" y2="30568"/>
+                      </a14:backgroundRemoval>
+                    </a14:imgEffect>
+                  </a14:imgLayer>
+                </a14:imgProps>
+              </a:ext>
+            </a:extLst>
+          </a:blip>
+          <a:srcRect l="29797" t="21373" r="34303" b="31805"/>
+          <a:stretch/>
+        </p:blipFill>
+        <p:spPr>
+          <a:xfrm>
+            <a:off x="550333" y="1016000"/>
+            <a:ext cx="3810000" cy="3676650"/>
+          </a:xfrm>
+          <a:prstGeom prst="rect">
+            <a:avLst/>
+          </a:prstGeom>
+        </p:spPr>
+      </p:pic>
+      <p:pic>
+        <p:nvPicPr>
+          <p:cNvPr id="6" name="Picture 5"/>
+          <p:cNvPicPr>
+            <a:picLocks noChangeAspect="1"/>
+          </p:cNvPicPr>
+          <p:nvPr/>
+        </p:nvPicPr>
+        <p:blipFill>
+          <a:blip r:embed="rId4"/>
+          <a:stretch>
+            <a:fillRect/>
+          </a:stretch>
+        </p:blipFill>
+        <p:spPr>
+          <a:xfrm>
+            <a:off x="4360333" y="1207206"/>
+            <a:ext cx="4647259" cy="3485444"/>
+          </a:xfrm>
+          <a:prstGeom prst="rect">
+            <a:avLst/>
+          </a:prstGeom>
+        </p:spPr>
+      </p:pic>
+    </p:spTree>
+    <p:extLst>
+      <p:ext uri="{BB962C8B-B14F-4D97-AF65-F5344CB8AC3E}">
+        <p14:creationId xmlns:p14="http://schemas.microsoft.com/office/powerpoint/2010/main" val="3089009080"/>
+      </p:ext>
+    </p:extLst>
+  </p:cSld>
+  <p:clrMapOvr>
+    <a:masterClrMapping/>
+  </p:clrMapOvr>
+</p:sld>
+</file>
+
+<file path=ppt/slides/slide5.xml><?xml version="1.0" encoding="utf-8"?>
+<p:sld xmlns:a="http://schemas.openxmlformats.org/drawingml/2006/main" xmlns:r="http://schemas.openxmlformats.org/officeDocument/2006/relationships" xmlns:p="http://schemas.openxmlformats.org/presentationml/2006/main">
+  <p:cSld>
+    <p:spTree>
+      <p:nvGrpSpPr>
+        <p:cNvPr id="1" name=""/>
+        <p:cNvGrpSpPr/>
+        <p:nvPr/>
+      </p:nvGrpSpPr>
+      <p:grpSpPr>
+        <a:xfrm>
+          <a:off x="0" y="0"/>
+          <a:ext cx="0" cy="0"/>
+          <a:chOff x="0" y="0"/>
+          <a:chExt cx="0" cy="0"/>
+        </a:xfrm>
+      </p:grpSpPr>
+      <p:pic>
+        <p:nvPicPr>
+          <p:cNvPr id="2" name="Picture 1"/>
+          <p:cNvPicPr>
+            <a:picLocks noChangeAspect="1"/>
+          </p:cNvPicPr>
+          <p:nvPr/>
+        </p:nvPicPr>
+        <p:blipFill rotWithShape="1">
+          <a:blip r:embed="rId2">
+            <a:extLst>
+              <a:ext uri="{BEBA8EAE-BF5A-486C-A8C5-ECC9F3942E4B}">
+                <a14:imgProps xmlns:a14="http://schemas.microsoft.com/office/drawing/2010/main">
+                  <a14:imgLayer r:embed="rId3">
+                    <a14:imgEffect>
+                      <a14:backgroundRemoval t="24236" b="63428" l="30856" r="62036">
+                        <a14:foregroundMark x1="30856" y1="30568" x2="30856" y2="30568"/>
+                        <a14:foregroundMark x1="33926" y1="30568" x2="33926" y2="30568"/>
+                      </a14:backgroundRemoval>
+                    </a14:imgEffect>
+                  </a14:imgLayer>
+                </a14:imgProps>
+              </a:ext>
+            </a:extLst>
+          </a:blip>
+          <a:srcRect l="29797" t="21373" r="34303" b="31805"/>
+          <a:stretch/>
+        </p:blipFill>
+        <p:spPr>
+          <a:xfrm>
+            <a:off x="550333" y="1016000"/>
+            <a:ext cx="3810000" cy="3676650"/>
+          </a:xfrm>
+          <a:prstGeom prst="rect">
+            <a:avLst/>
+          </a:prstGeom>
+        </p:spPr>
+      </p:pic>
+      <p:pic>
+        <p:nvPicPr>
+          <p:cNvPr id="5" name="Picture 4"/>
+          <p:cNvPicPr>
+            <a:picLocks noChangeAspect="1"/>
+          </p:cNvPicPr>
+          <p:nvPr/>
+        </p:nvPicPr>
+        <p:blipFill>
+          <a:blip r:embed="rId4">
+            <a:extLst>
+              <a:ext uri="{BEBA8EAE-BF5A-486C-A8C5-ECC9F3942E4B}">
+                <a14:imgProps xmlns:a14="http://schemas.microsoft.com/office/drawing/2010/main">
+                  <a14:imgLayer r:embed="rId5">
+                    <a14:imgEffect>
+                      <a14:backgroundRemoval t="10000" b="90000" l="10000" r="90000"/>
+                    </a14:imgEffect>
+                  </a14:imgLayer>
+                </a14:imgProps>
+              </a:ext>
+            </a:extLst>
+          </a:blip>
+          <a:stretch>
+            <a:fillRect/>
+          </a:stretch>
+        </p:blipFill>
+        <p:spPr>
+          <a:xfrm>
+            <a:off x="3189111" y="155222"/>
+            <a:ext cx="7112000" cy="5334000"/>
+          </a:xfrm>
+          <a:prstGeom prst="rect">
+            <a:avLst/>
+          </a:prstGeom>
+        </p:spPr>
+      </p:pic>
+    </p:spTree>
+    <p:extLst>
+      <p:ext uri="{BB962C8B-B14F-4D97-AF65-F5344CB8AC3E}">
+        <p14:creationId xmlns:p14="http://schemas.microsoft.com/office/powerpoint/2010/main" val="1939089776"/>
+      </p:ext>
+    </p:extLst>
+  </p:cSld>
+  <p:clrMapOvr>
+    <a:masterClrMapping/>
+  </p:clrMapOvr>
+</p:sld>
+</file>
+
+<file path=ppt/slides/slide6.xml><?xml version="1.0" encoding="utf-8"?>
+<p:sld xmlns:a="http://schemas.openxmlformats.org/drawingml/2006/main" xmlns:r="http://schemas.openxmlformats.org/officeDocument/2006/relationships" xmlns:p="http://schemas.openxmlformats.org/presentationml/2006/main">
+  <p:cSld>
+    <p:spTree>
+      <p:nvGrpSpPr>
+        <p:cNvPr id="1" name=""/>
+        <p:cNvGrpSpPr/>
+        <p:nvPr/>
+      </p:nvGrpSpPr>
+      <p:grpSpPr>
+        <a:xfrm>
+          <a:off x="0" y="0"/>
+          <a:ext cx="0" cy="0"/>
+          <a:chOff x="0" y="0"/>
+          <a:chExt cx="0" cy="0"/>
+        </a:xfrm>
+      </p:grpSpPr>
+      <p:pic>
+        <p:nvPicPr>
+          <p:cNvPr id="4" name="Picture 3"/>
+          <p:cNvPicPr>
+            <a:picLocks noChangeAspect="1"/>
+          </p:cNvPicPr>
+          <p:nvPr/>
+        </p:nvPicPr>
+        <p:blipFill>
+          <a:blip r:embed="rId2"/>
+          <a:stretch>
+            <a:fillRect/>
+          </a:stretch>
+        </p:blipFill>
+        <p:spPr>
+          <a:xfrm>
+            <a:off x="1016000" y="762000"/>
+            <a:ext cx="7112000" cy="5334000"/>
+          </a:xfrm>
+          <a:prstGeom prst="rect">
+            <a:avLst/>
+          </a:prstGeom>
+        </p:spPr>
+      </p:pic>
+    </p:spTree>
+    <p:extLst>
+      <p:ext uri="{BB962C8B-B14F-4D97-AF65-F5344CB8AC3E}">
+        <p14:creationId xmlns:p14="http://schemas.microsoft.com/office/powerpoint/2010/main" val="1560528561"/>
       </p:ext>
     </p:extLst>
   </p:cSld>
